--- a/restricted/slides8m.pptx
+++ b/restricted/slides8m.pptx
@@ -4833,11 +4833,7 @@
             </a:r>
             <a:r>
               <a:rPr lang="en-US" sz="1200" dirty="0" smtClean="0"/>
-              <a:t> </a:t>
-            </a:r>
-            <a:r>
-              <a:rPr lang="en-US" sz="1200" dirty="0" smtClean="0"/>
-              <a:t>8M.</a:t>
+              <a:t> 8M.</a:t>
             </a:r>
             <a:fld id="{1E22E7B5-2173-45C0-91E4-0BE2C4FA0906}" type="slidenum">
               <a:rPr lang="en-US" sz="1200" smtClean="0"/>
@@ -5005,11 +5001,7 @@
             </a:r>
             <a:r>
               <a:rPr lang="en-US" sz="1200" dirty="0" smtClean="0"/>
-              <a:t> </a:t>
-            </a:r>
-            <a:r>
-              <a:rPr lang="en-US" sz="1200" dirty="0" smtClean="0"/>
-              <a:t>8M.</a:t>
+              <a:t> 8M.</a:t>
             </a:r>
             <a:fld id="{F7436493-75D1-4215-A5C2-684F8CBEDD7B}" type="slidenum">
               <a:rPr lang="en-US" sz="1200" smtClean="0"/>
@@ -5111,11 +5103,7 @@
             </a:r>
             <a:r>
               <a:rPr lang="en-US" sz="1200" dirty="0" smtClean="0"/>
-              <a:t> </a:t>
-            </a:r>
-            <a:r>
-              <a:rPr lang="en-US" sz="1200" dirty="0" smtClean="0"/>
-              <a:t>8M.</a:t>
+              <a:t> 8M.</a:t>
             </a:r>
             <a:fld id="{71C3A9A3-8A9A-4556-94F5-B6209F7C326B}" type="slidenum">
               <a:rPr lang="en-US" sz="1200" smtClean="0"/>
@@ -5187,11 +5175,7 @@
             </a:r>
             <a:r>
               <a:rPr lang="en-US" sz="1200" dirty="0" smtClean="0"/>
-              <a:t> </a:t>
-            </a:r>
-            <a:r>
-              <a:rPr lang="en-US" sz="1200" dirty="0" smtClean="0"/>
-              <a:t>8M.</a:t>
+              <a:t> 8M.</a:t>
             </a:r>
             <a:fld id="{642CDC47-E076-488B-86E3-5AAAF27BBDC3}" type="slidenum">
               <a:rPr lang="en-US" sz="1200" smtClean="0"/>
@@ -5504,22 +5488,7 @@
                 <a:uFillTx/>
                 <a:latin typeface="Comic Sans MS" pitchFamily="66" charset="0"/>
               </a:rPr>
-              <a:t>Albert R </a:t>
-            </a:r>
-            <a:r>
-              <a:rPr kumimoji="0" lang="en-US" sz="1200" b="0" i="0" u="none" strike="noStrike" kern="1200" cap="none" spc="0" normalizeH="0" baseline="0" noProof="0" dirty="0" smtClean="0">
-                <a:ln>
-                  <a:noFill/>
-                </a:ln>
-                <a:solidFill>
-                  <a:schemeClr val="tx1"/>
-                </a:solidFill>
-                <a:effectLst/>
-                <a:uLnTx/>
-                <a:uFillTx/>
-                <a:latin typeface="Comic Sans MS" pitchFamily="66" charset="0"/>
-              </a:rPr>
-              <a:t>Meyer,       March 29, 2010</a:t>
+              <a:t>Albert R Meyer,       March 29, 2010</a:t>
             </a:r>
             <a:endParaRPr kumimoji="0" lang="en-US" sz="1200" b="0" i="0" u="none" strike="noStrike" kern="1200" cap="none" spc="0" normalizeH="0" baseline="0" noProof="0" dirty="0">
               <a:ln>
@@ -5997,7 +5966,7 @@
               <a:rPr lang="en-US" sz="1200" dirty="0" smtClean="0">
                 <a:latin typeface="Comic Sans MS" pitchFamily="8" charset="0"/>
               </a:rPr>
-              <a:t> 8W.</a:t>
+              <a:t> 8M.</a:t>
             </a:r>
             <a:fld id="{E87B1E8C-6732-4812-A197-E0720F3AF026}" type="slidenum">
               <a:rPr lang="en-US" sz="1200" smtClean="0">
@@ -6518,7 +6487,7 @@
               <a:rPr lang="en-US" sz="1200" dirty="0" smtClean="0">
                 <a:latin typeface="Comic Sans MS" pitchFamily="8" charset="0"/>
               </a:rPr>
-              <a:t> 8W.</a:t>
+              <a:t> 8M.</a:t>
             </a:r>
             <a:fld id="{41EDAC2E-DD1F-43A5-B4BD-E63A7B8ED48E}" type="slidenum">
               <a:rPr lang="en-US" sz="1200" smtClean="0">
@@ -6952,7 +6921,7 @@
               <a:rPr lang="en-US" sz="1200" dirty="0" smtClean="0">
                 <a:latin typeface="Comic Sans MS" pitchFamily="8" charset="0"/>
               </a:rPr>
-              <a:t> 8W.</a:t>
+              <a:t> 8M.</a:t>
             </a:r>
             <a:fld id="{610C25DE-71AD-46DD-8B4C-AFCAA74B9C10}" type="slidenum">
               <a:rPr lang="en-US" sz="1200" smtClean="0">
@@ -7533,7 +7502,7 @@
               <a:rPr lang="en-US" sz="1200" dirty="0" smtClean="0">
                 <a:latin typeface="Comic Sans MS" pitchFamily="8" charset="0"/>
               </a:rPr>
-              <a:t> 8W.</a:t>
+              <a:t> 8M.</a:t>
             </a:r>
             <a:fld id="{FFDE0FFB-1482-4548-AF7B-3C634CB03670}" type="slidenum">
               <a:rPr lang="en-US" sz="1200" smtClean="0">
@@ -7924,7 +7893,7 @@
               <a:rPr lang="en-US" sz="1200" dirty="0" smtClean="0">
                 <a:latin typeface="Comic Sans MS" pitchFamily="8" charset="0"/>
               </a:rPr>
-              <a:t> 8W.</a:t>
+              <a:t> 8M.</a:t>
             </a:r>
             <a:fld id="{CCB45DB7-2069-4CDB-95A9-C4EF498CA91E}" type="slidenum">
               <a:rPr lang="en-US" sz="1200" smtClean="0">
@@ -8436,7 +8405,7 @@
               <a:rPr lang="en-US" sz="1200" dirty="0" smtClean="0">
                 <a:latin typeface="Comic Sans MS" pitchFamily="8" charset="0"/>
               </a:rPr>
-              <a:t> 8W.</a:t>
+              <a:t> 8M.</a:t>
             </a:r>
             <a:fld id="{CCB45DB7-2069-4CDB-95A9-C4EF498CA91E}" type="slidenum">
               <a:rPr lang="en-US" sz="1200" smtClean="0">
@@ -8943,7 +8912,7 @@
               <a:rPr lang="en-US" sz="1200" dirty="0" smtClean="0">
                 <a:latin typeface="Comic Sans MS" pitchFamily="8" charset="0"/>
               </a:rPr>
-              <a:t> 8W.</a:t>
+              <a:t> 8M.</a:t>
             </a:r>
             <a:fld id="{747A9357-8041-408C-AA30-B9E91B776969}" type="slidenum">
               <a:rPr lang="en-US" sz="1200" smtClean="0">
@@ -9419,7 +9388,7 @@
               <a:rPr lang="en-US" sz="1200" dirty="0" smtClean="0">
                 <a:latin typeface="Comic Sans MS" pitchFamily="8" charset="0"/>
               </a:rPr>
-              <a:t> 8W.</a:t>
+              <a:t> 8M.</a:t>
             </a:r>
             <a:fld id="{51C7A18E-EE52-411A-95D8-CFBE2265EDF3}" type="slidenum">
               <a:rPr lang="en-US" sz="1200" smtClean="0">
@@ -9940,7 +9909,7 @@
               <a:rPr lang="en-US" sz="1200" dirty="0" smtClean="0">
                 <a:latin typeface="Comic Sans MS" pitchFamily="8" charset="0"/>
               </a:rPr>
-              <a:t> 8W.</a:t>
+              <a:t> 8M.</a:t>
             </a:r>
             <a:fld id="{1A8F527B-ED42-49E8-BD15-2DCE6D46779E}" type="slidenum">
               <a:rPr lang="en-US" sz="1200" smtClean="0">
@@ -10794,7 +10763,7 @@
               <a:rPr lang="en-US" sz="1200" dirty="0" smtClean="0">
                 <a:latin typeface="Comic Sans MS" pitchFamily="8" charset="0"/>
               </a:rPr>
-              <a:t> 8W.</a:t>
+              <a:t> 8M.</a:t>
             </a:r>
             <a:fld id="{1A8F527B-ED42-49E8-BD15-2DCE6D46779E}" type="slidenum">
               <a:rPr lang="en-US" sz="1200" smtClean="0">
@@ -11342,7 +11311,7 @@
               <a:rPr lang="en-US" sz="1200" dirty="0" smtClean="0">
                 <a:latin typeface="Comic Sans MS" pitchFamily="8" charset="0"/>
               </a:rPr>
-              <a:t> 8W.</a:t>
+              <a:t> 8M.</a:t>
             </a:r>
             <a:fld id="{3B96DCEE-1EFD-4F3F-AB3D-22B5C60B61F8}" type="slidenum">
               <a:rPr lang="en-US" sz="1200" smtClean="0">
@@ -11755,25 +11724,7 @@
                 </a:solidFill>
                 <a:sym typeface="Euclid Symbol" pitchFamily="18" charset="2"/>
               </a:rPr>
-              <a:t>),  a </a:t>
-            </a:r>
-            <a:r>
-              <a:rPr lang="en-US" sz="5400" dirty="0" smtClean="0">
-                <a:solidFill>
-                  <a:srgbClr val="0000CC"/>
-                </a:solidFill>
-                <a:sym typeface="Euclid Symbol" pitchFamily="18" charset="2"/>
-              </a:rPr>
-              <a:t>– a </a:t>
-            </a:r>
-            <a:r>
-              <a:rPr lang="en-US" sz="5400" dirty="0" smtClean="0">
-                <a:solidFill>
-                  <a:srgbClr val="0000CC"/>
-                </a:solidFill>
-                <a:sym typeface="Euclid Symbol" pitchFamily="18" charset="2"/>
-              </a:rPr>
-              <a:t>=0,</a:t>
+              <a:t>),  a – a =0,</a:t>
             </a:r>
           </a:p>
           <a:p>
@@ -11849,7 +11800,7 @@
               <a:rPr lang="en-US" sz="1200" dirty="0" smtClean="0">
                 <a:latin typeface="Comic Sans MS" pitchFamily="8" charset="0"/>
               </a:rPr>
-              <a:t> 8W.</a:t>
+              <a:t> 8M.</a:t>
             </a:r>
             <a:fld id="{FE49EF4A-0141-43E8-AEBF-E2641D87AC29}" type="slidenum">
               <a:rPr lang="en-US" sz="1200" smtClean="0">
@@ -12327,7 +12278,7 @@
               <a:rPr lang="en-US" sz="1200" dirty="0" smtClean="0">
                 <a:latin typeface="Comic Sans MS" pitchFamily="8" charset="0"/>
               </a:rPr>
-              <a:t> 8W.</a:t>
+              <a:t> 8M.</a:t>
             </a:r>
             <a:fld id="{3B96DCEE-1EFD-4F3F-AB3D-22B5C60B61F8}" type="slidenum">
               <a:rPr lang="en-US" sz="1200" smtClean="0">
@@ -12836,7 +12787,7 @@
               <a:rPr lang="en-US" sz="1200" dirty="0" smtClean="0">
                 <a:latin typeface="Comic Sans MS" pitchFamily="8" charset="0"/>
               </a:rPr>
-              <a:t> 8W.</a:t>
+              <a:t> 8M.</a:t>
             </a:r>
             <a:fld id="{C0A36D86-A96B-4FB7-B793-96DB8299F076}" type="slidenum">
               <a:rPr lang="en-US" sz="1200" smtClean="0">
@@ -13927,7 +13878,7 @@
               <a:rPr lang="en-US" sz="1200" dirty="0" smtClean="0">
                 <a:latin typeface="Comic Sans MS" pitchFamily="8" charset="0"/>
               </a:rPr>
-              <a:t> 8W.</a:t>
+              <a:t> 8M.</a:t>
             </a:r>
             <a:fld id="{C0A36D86-A96B-4FB7-B793-96DB8299F076}" type="slidenum">
               <a:rPr lang="en-US" sz="1200" smtClean="0">
@@ -14509,7 +14460,7 @@
               <a:rPr lang="en-US" sz="1200" dirty="0" smtClean="0">
                 <a:latin typeface="Comic Sans MS" pitchFamily="8" charset="0"/>
               </a:rPr>
-              <a:t> 8W.</a:t>
+              <a:t> 8M.</a:t>
             </a:r>
             <a:fld id="{C0A36D86-A96B-4FB7-B793-96DB8299F076}" type="slidenum">
               <a:rPr lang="en-US" sz="1200" smtClean="0">
@@ -15249,7 +15200,7 @@
               <a:rPr lang="en-US" sz="1200" dirty="0" smtClean="0">
                 <a:latin typeface="Comic Sans MS" pitchFamily="8" charset="0"/>
               </a:rPr>
-              <a:t> 8W.</a:t>
+              <a:t> 8M.</a:t>
             </a:r>
             <a:fld id="{0B31A3FA-1C63-4F3C-BCF4-B7AE1EB41B06}" type="slidenum">
               <a:rPr lang="en-US" sz="1200" smtClean="0">
@@ -16061,7 +16012,7 @@
               <a:rPr lang="en-US" sz="1200" dirty="0" smtClean="0">
                 <a:latin typeface="Comic Sans MS" pitchFamily="8" charset="0"/>
               </a:rPr>
-              <a:t> 8W.</a:t>
+              <a:t> 8M.</a:t>
             </a:r>
             <a:fld id="{2DB9C430-3F2F-43A5-BD8A-0C6CA31B929D}" type="slidenum">
               <a:rPr lang="en-US" sz="1200" smtClean="0">
@@ -16726,7 +16677,7 @@
               <a:rPr lang="en-US" sz="1200" dirty="0" smtClean="0">
                 <a:latin typeface="Comic Sans MS" pitchFamily="8" charset="0"/>
               </a:rPr>
-              <a:t> 8W.</a:t>
+              <a:t> 8M.</a:t>
             </a:r>
             <a:fld id="{2DB9C430-3F2F-43A5-BD8A-0C6CA31B929D}" type="slidenum">
               <a:rPr lang="en-US" sz="1200" smtClean="0">
@@ -17129,7 +17080,7 @@
               <a:rPr lang="en-US" sz="1200" dirty="0" smtClean="0">
                 <a:latin typeface="Comic Sans MS" pitchFamily="8" charset="0"/>
               </a:rPr>
-              <a:t> 8W.</a:t>
+              <a:t> 8M.</a:t>
             </a:r>
             <a:fld id="{E79D9AAE-A808-4685-9C0F-E5A5F353A41A}" type="slidenum">
               <a:rPr lang="en-US" sz="1200" smtClean="0">
@@ -17323,7 +17274,7 @@
               <a:rPr lang="en-US" sz="1200" dirty="0" smtClean="0">
                 <a:latin typeface="Comic Sans MS" pitchFamily="8" charset="0"/>
               </a:rPr>
-              <a:t> 8W.</a:t>
+              <a:t> 8M.</a:t>
             </a:r>
             <a:fld id="{168D7955-BF0F-4CD5-928E-4D4BF92A10C1}" type="slidenum">
               <a:rPr lang="en-US" sz="1200" smtClean="0">
@@ -17524,7 +17475,7 @@
               <a:rPr lang="en-US" sz="1200" dirty="0" smtClean="0">
                 <a:latin typeface="Comic Sans MS" pitchFamily="8" charset="0"/>
               </a:rPr>
-              <a:t> 8W.</a:t>
+              <a:t> 8M.</a:t>
             </a:r>
             <a:fld id="{ED062411-6F17-41FB-A2D2-BA09849AA3A4}" type="slidenum">
               <a:rPr lang="en-US" sz="1200" smtClean="0">
@@ -17789,13 +17740,7 @@
               <a:rPr lang="en-US" sz="4400" dirty="0" smtClean="0">
                 <a:sym typeface="Euclid Symbol" pitchFamily="18" charset="2"/>
               </a:rPr>
-              <a:t>,</a:t>
-            </a:r>
-            <a:r>
-              <a:rPr lang="en-US" sz="4400" dirty="0" smtClean="0">
-                <a:sym typeface="Euclid Symbol" pitchFamily="18" charset="2"/>
-              </a:rPr>
-              <a:t> have</a:t>
+              <a:t>, have</a:t>
             </a:r>
           </a:p>
           <a:p>
@@ -17827,13 +17772,22 @@
               <a:rPr lang="en-US" sz="4400" dirty="0" err="1" smtClean="0">
                 <a:sym typeface="Euclid Symbol" pitchFamily="18" charset="2"/>
               </a:rPr>
-              <a:t>quotient</a:t>
+              <a:t>quotient(</a:t>
+            </a:r>
+            <a:r>
+              <a:rPr lang="en-US" sz="4400" dirty="0" err="1" smtClean="0">
+                <a:solidFill>
+                  <a:srgbClr val="0000CC"/>
+                </a:solidFill>
+                <a:sym typeface="Euclid Symbol" pitchFamily="18" charset="2"/>
+              </a:rPr>
+              <a:t>a</a:t>
             </a:r>
             <a:r>
               <a:rPr lang="en-US" sz="4400" dirty="0" err="1" smtClean="0">
                 <a:sym typeface="Euclid Symbol" pitchFamily="18" charset="2"/>
               </a:rPr>
-              <a:t>(</a:t>
+              <a:t>,</a:t>
             </a:r>
             <a:r>
               <a:rPr lang="en-US" sz="4400" dirty="0" err="1" smtClean="0">
@@ -17842,64 +17796,43 @@
                 </a:solidFill>
                 <a:sym typeface="Euclid Symbol" pitchFamily="18" charset="2"/>
               </a:rPr>
-              <a:t>a</a:t>
+              <a:t>b</a:t>
+            </a:r>
+            <a:r>
+              <a:rPr lang="en-US" sz="4400" dirty="0" smtClean="0">
+                <a:sym typeface="Euclid Symbol" pitchFamily="18" charset="2"/>
+              </a:rPr>
+              <a:t>)</a:t>
+            </a:r>
+          </a:p>
+          <a:p>
+            <a:pPr marL="0" indent="0" eaLnBrk="1" hangingPunct="1"/>
+            <a:r>
+              <a:rPr lang="en-US" sz="4400" dirty="0" smtClean="0">
+                <a:sym typeface="Euclid Symbol" pitchFamily="18" charset="2"/>
+              </a:rPr>
+              <a:t>        </a:t>
+            </a:r>
+            <a:r>
+              <a:rPr lang="en-US" sz="4400" dirty="0" err="1" smtClean="0">
+                <a:solidFill>
+                  <a:srgbClr val="0000E5"/>
+                </a:solidFill>
+                <a:sym typeface="Euclid Symbol" pitchFamily="18" charset="2"/>
+              </a:rPr>
+              <a:t>r</a:t>
+            </a:r>
+            <a:r>
+              <a:rPr lang="en-US" sz="4400" dirty="0" smtClean="0">
+                <a:sym typeface="Euclid Symbol" pitchFamily="18" charset="2"/>
+              </a:rPr>
+              <a:t> = </a:t>
             </a:r>
             <a:r>
               <a:rPr lang="en-US" sz="4400" dirty="0" err="1" smtClean="0">
                 <a:sym typeface="Euclid Symbol" pitchFamily="18" charset="2"/>
               </a:rPr>
-              <a:t>,</a:t>
-            </a:r>
-            <a:r>
-              <a:rPr lang="en-US" sz="4400" dirty="0" err="1" smtClean="0">
-                <a:solidFill>
-                  <a:srgbClr val="0000CC"/>
-                </a:solidFill>
-                <a:sym typeface="Euclid Symbol" pitchFamily="18" charset="2"/>
-              </a:rPr>
-              <a:t>b</a:t>
-            </a:r>
-            <a:r>
-              <a:rPr lang="en-US" sz="4400" dirty="0" smtClean="0">
-                <a:sym typeface="Euclid Symbol" pitchFamily="18" charset="2"/>
-              </a:rPr>
-              <a:t>)</a:t>
-            </a:r>
-          </a:p>
-          <a:p>
-            <a:pPr marL="0" indent="0" eaLnBrk="1" hangingPunct="1"/>
-            <a:r>
-              <a:rPr lang="en-US" sz="4400" dirty="0" smtClean="0">
-                <a:sym typeface="Euclid Symbol" pitchFamily="18" charset="2"/>
-              </a:rPr>
-              <a:t>        </a:t>
-            </a:r>
-            <a:r>
-              <a:rPr lang="en-US" sz="4400" dirty="0" err="1" smtClean="0">
-                <a:solidFill>
-                  <a:srgbClr val="0000E5"/>
-                </a:solidFill>
-                <a:sym typeface="Euclid Symbol" pitchFamily="18" charset="2"/>
-              </a:rPr>
-              <a:t>r</a:t>
-            </a:r>
-            <a:r>
-              <a:rPr lang="en-US" sz="4400" dirty="0" smtClean="0">
-                <a:sym typeface="Euclid Symbol" pitchFamily="18" charset="2"/>
-              </a:rPr>
-              <a:t> = </a:t>
-            </a:r>
-            <a:r>
-              <a:rPr lang="en-US" sz="4400" dirty="0" err="1" smtClean="0">
-                <a:sym typeface="Euclid Symbol" pitchFamily="18" charset="2"/>
-              </a:rPr>
-              <a:t>remainder</a:t>
-            </a:r>
-            <a:r>
-              <a:rPr lang="en-US" sz="4400" dirty="0" err="1" smtClean="0">
-                <a:sym typeface="Euclid Symbol" pitchFamily="18" charset="2"/>
-              </a:rPr>
-              <a:t>(</a:t>
+              <a:t>remainder(</a:t>
             </a:r>
             <a:r>
               <a:rPr lang="en-US" sz="4400" dirty="0" err="1" smtClean="0">
@@ -18108,9 +18041,6 @@
               </a:rPr>
               <a:t>.</a:t>
             </a:r>
-            <a:endParaRPr lang="en-US" sz="4400" dirty="0" smtClean="0">
-              <a:sym typeface="Euclid Symbol" pitchFamily="18" charset="2"/>
-            </a:endParaRPr>
           </a:p>
           <a:p>
             <a:pPr marL="0" indent="0" algn="ctr" eaLnBrk="1" hangingPunct="1">
@@ -18124,13 +18054,7 @@
               <a:rPr lang="en-US" sz="4800" dirty="0" smtClean="0">
                 <a:sym typeface="Euclid Symbol" pitchFamily="18" charset="2"/>
               </a:rPr>
-              <a:t>Take </a:t>
-            </a:r>
-            <a:r>
-              <a:rPr lang="en-US" sz="4800" dirty="0" smtClean="0">
-                <a:sym typeface="Euclid Symbol" pitchFamily="18" charset="2"/>
-              </a:rPr>
-              <a:t>this for granted too!</a:t>
+              <a:t>Take this for granted too!</a:t>
             </a:r>
             <a:endParaRPr lang="en-US" sz="4400" i="1" dirty="0" smtClean="0">
               <a:sym typeface="Euclid Symbol" pitchFamily="18" charset="2"/>
@@ -18171,7 +18095,7 @@
               <a:rPr lang="en-US" sz="1200" dirty="0" smtClean="0">
                 <a:latin typeface="Comic Sans MS" pitchFamily="8" charset="0"/>
               </a:rPr>
-              <a:t> 8W.</a:t>
+              <a:t> 8M.</a:t>
             </a:r>
             <a:fld id="{77F314C4-F408-4600-BE33-C23BCB2C0942}" type="slidenum">
               <a:rPr lang="en-US" sz="1200" smtClean="0">
@@ -18930,7 +18854,7 @@
               <a:rPr lang="en-US" sz="1200" dirty="0" smtClean="0">
                 <a:latin typeface="Comic Sans MS" pitchFamily="8" charset="0"/>
               </a:rPr>
-              <a:t> 8W.</a:t>
+              <a:t> 8M.</a:t>
             </a:r>
             <a:fld id="{9049879D-65FD-478A-BB9D-5DDF81B450BA}" type="slidenum">
               <a:rPr lang="en-US" sz="1200" smtClean="0">
@@ -19033,7 +18957,7 @@
             </a:r>
             <a:r>
               <a:rPr lang="en-US" sz="1200" dirty="0" smtClean="0"/>
-              <a:t> 8W.</a:t>
+              <a:t> 8M.</a:t>
             </a:r>
             <a:fld id="{D3851385-812A-493F-95C9-342353735912}" type="slidenum">
               <a:rPr lang="en-US" sz="1200" smtClean="0"/>
@@ -20052,7 +19976,7 @@
               <a:rPr lang="en-US" sz="1200" dirty="0" smtClean="0">
                 <a:latin typeface="Comic Sans MS" pitchFamily="8" charset="0"/>
               </a:rPr>
-              <a:t> 8W.</a:t>
+              <a:t> 8M.</a:t>
             </a:r>
             <a:fld id="{C77994A2-4CBA-4465-B07E-B33D11EAAB7C}" type="slidenum">
               <a:rPr lang="en-US" sz="1200" smtClean="0">
@@ -20640,7 +20564,7 @@
             </a:r>
             <a:r>
               <a:rPr lang="en-US" sz="1200" dirty="0" smtClean="0"/>
-              <a:t> 8W.</a:t>
+              <a:t> 8M.</a:t>
             </a:r>
             <a:fld id="{1E83CE83-D8E2-4A50-959E-C2B83E2300DA}" type="slidenum">
               <a:rPr lang="en-US" sz="1200" smtClean="0"/>
@@ -21196,7 +21120,7 @@
               <a:rPr lang="en-US" sz="1200" dirty="0" smtClean="0">
                 <a:latin typeface="Comic Sans MS" pitchFamily="8" charset="0"/>
               </a:rPr>
-              <a:t> 8W.</a:t>
+              <a:t> 8M.</a:t>
             </a:r>
             <a:fld id="{95057273-9505-4353-AC2A-8AAF7E48A8DB}" type="slidenum">
               <a:rPr lang="en-US" sz="1200" smtClean="0">
@@ -21416,7 +21340,7 @@
               <a:rPr lang="en-US" sz="1200" dirty="0" smtClean="0">
                 <a:latin typeface="Comic Sans MS" pitchFamily="8" charset="0"/>
               </a:rPr>
-              <a:t> 8W.</a:t>
+              <a:t> 8M.</a:t>
             </a:r>
             <a:fld id="{E9385E58-0B25-477C-A4F8-9A84A8BDD8DA}" type="slidenum">
               <a:rPr lang="en-US" sz="1200" smtClean="0">
@@ -21722,7 +21646,7 @@
               <a:rPr lang="en-US" sz="1200" dirty="0" smtClean="0">
                 <a:latin typeface="Comic Sans MS" pitchFamily="8" charset="0"/>
               </a:rPr>
-              <a:t> 8W.</a:t>
+              <a:t> 8M.</a:t>
             </a:r>
             <a:fld id="{7DD4A805-C295-4F53-8D96-6B5594CCA0A4}" type="slidenum">
               <a:rPr lang="en-US" sz="1200" smtClean="0">
@@ -22310,7 +22234,7 @@
               <a:rPr lang="en-US" sz="1200" dirty="0" smtClean="0">
                 <a:latin typeface="Comic Sans MS" pitchFamily="8" charset="0"/>
               </a:rPr>
-              <a:t> 8W.</a:t>
+              <a:t> 8M.</a:t>
             </a:r>
             <a:fld id="{C4B01F29-C1CE-4BC8-935F-1AD570B35676}" type="slidenum">
               <a:rPr lang="en-US" sz="1200" smtClean="0">
@@ -22841,7 +22765,7 @@
               <a:rPr lang="en-US" sz="1200" dirty="0" smtClean="0">
                 <a:latin typeface="Comic Sans MS" pitchFamily="8" charset="0"/>
               </a:rPr>
-              <a:t> 8W.</a:t>
+              <a:t> 8M.</a:t>
             </a:r>
             <a:fld id="{3C15F690-8892-4DD3-8BA4-6A9D741BE269}" type="slidenum">
               <a:rPr lang="en-US" sz="1200" smtClean="0">
@@ -23347,7 +23271,7 @@
               <a:rPr lang="en-US" sz="1200" dirty="0" smtClean="0">
                 <a:latin typeface="Comic Sans MS" pitchFamily="8" charset="0"/>
               </a:rPr>
-              <a:t> 8W.</a:t>
+              <a:t> 8M.</a:t>
             </a:r>
             <a:fld id="{9E680C0B-B278-462E-930F-2DEA2B77CE81}" type="slidenum">
               <a:rPr lang="en-US" sz="1200" smtClean="0">
@@ -23804,7 +23728,7 @@
               <a:rPr lang="en-US" sz="1200" dirty="0" smtClean="0">
                 <a:latin typeface="Comic Sans MS" pitchFamily="8" charset="0"/>
               </a:rPr>
-              <a:t> 8W.</a:t>
+              <a:t> 8M.</a:t>
             </a:r>
             <a:fld id="{F7DD1098-2BC7-4561-8625-7458D71B36A2}" type="slidenum">
               <a:rPr lang="en-US" sz="1200" smtClean="0">
@@ -24084,7 +24008,7 @@
               <a:rPr lang="en-US" sz="1200" dirty="0" smtClean="0">
                 <a:latin typeface="Comic Sans MS" pitchFamily="8" charset="0"/>
               </a:rPr>
-              <a:t> 8W.</a:t>
+              <a:t> 8M.</a:t>
             </a:r>
             <a:fld id="{07FBCCFB-3D10-4E22-81B9-FE6F7869D823}" type="slidenum">
               <a:rPr lang="en-US" sz="1200" smtClean="0">
@@ -24390,7 +24314,7 @@
               <a:rPr lang="en-US" sz="1200" dirty="0" smtClean="0">
                 <a:latin typeface="Comic Sans MS" pitchFamily="8" charset="0"/>
               </a:rPr>
-              <a:t> 8W.</a:t>
+              <a:t> 8M.</a:t>
             </a:r>
             <a:fld id="{6C6AF3CB-8CE8-4055-B165-1AE3BC7039EC}" type="slidenum">
               <a:rPr lang="en-US" sz="1200" smtClean="0">
@@ -25093,7 +25017,7 @@
               <a:rPr lang="en-US" sz="1200" dirty="0" smtClean="0">
                 <a:latin typeface="Comic Sans MS" pitchFamily="8" charset="0"/>
               </a:rPr>
-              <a:t> 8W.</a:t>
+              <a:t> 8M.</a:t>
             </a:r>
             <a:fld id="{6C6AF3CB-8CE8-4055-B165-1AE3BC7039EC}" type="slidenum">
               <a:rPr lang="en-US" sz="1200" smtClean="0">
@@ -25767,7 +25691,7 @@
               <a:rPr lang="en-US" sz="1200" dirty="0" smtClean="0">
                 <a:latin typeface="Comic Sans MS" pitchFamily="8" charset="0"/>
               </a:rPr>
-              <a:t> 8W.</a:t>
+              <a:t> 8M.</a:t>
             </a:r>
             <a:fld id="{6C6AF3CB-8CE8-4055-B165-1AE3BC7039EC}" type="slidenum">
               <a:rPr lang="en-US" sz="1200" smtClean="0">
@@ -26696,7 +26620,7 @@
               <a:rPr lang="en-US" sz="1200" dirty="0" smtClean="0">
                 <a:latin typeface="Comic Sans MS" pitchFamily="8" charset="0"/>
               </a:rPr>
-              <a:t> 8W.</a:t>
+              <a:t> 8M.</a:t>
             </a:r>
             <a:fld id="{6C6AF3CB-8CE8-4055-B165-1AE3BC7039EC}" type="slidenum">
               <a:rPr lang="en-US" sz="1200" smtClean="0">
@@ -26996,7 +26920,7 @@
               <a:rPr lang="en-US" sz="1200" dirty="0" smtClean="0">
                 <a:latin typeface="Comic Sans MS" pitchFamily="8" charset="0"/>
               </a:rPr>
-              <a:t> 8W.</a:t>
+              <a:t> 8M.</a:t>
             </a:r>
             <a:fld id="{41EDAC2E-DD1F-43A5-B4BD-E63A7B8ED48E}" type="slidenum">
               <a:rPr lang="en-US" sz="1200" smtClean="0">
